--- a/rezume170925.pptx
+++ b/rezume170925.pptx
@@ -243,7 +243,7 @@
           <a:p>
             <a:fld id="{9EED3BB2-E1A9-4AFE-933A-BC60DB13FCFC}" type="datetimeFigureOut">
               <a:rPr lang="ru-UA" smtClean="0"/>
-              <a:t>17.09.2025</a:t>
+              <a:t>18.09.2025</a:t>
             </a:fld>
             <a:endParaRPr lang="ru-UA"/>
           </a:p>
@@ -413,7 +413,7 @@
           <a:p>
             <a:fld id="{9EED3BB2-E1A9-4AFE-933A-BC60DB13FCFC}" type="datetimeFigureOut">
               <a:rPr lang="ru-UA" smtClean="0"/>
-              <a:t>17.09.2025</a:t>
+              <a:t>18.09.2025</a:t>
             </a:fld>
             <a:endParaRPr lang="ru-UA"/>
           </a:p>
@@ -593,7 +593,7 @@
           <a:p>
             <a:fld id="{9EED3BB2-E1A9-4AFE-933A-BC60DB13FCFC}" type="datetimeFigureOut">
               <a:rPr lang="ru-UA" smtClean="0"/>
-              <a:t>17.09.2025</a:t>
+              <a:t>18.09.2025</a:t>
             </a:fld>
             <a:endParaRPr lang="ru-UA"/>
           </a:p>
@@ -763,7 +763,7 @@
           <a:p>
             <a:fld id="{9EED3BB2-E1A9-4AFE-933A-BC60DB13FCFC}" type="datetimeFigureOut">
               <a:rPr lang="ru-UA" smtClean="0"/>
-              <a:t>17.09.2025</a:t>
+              <a:t>18.09.2025</a:t>
             </a:fld>
             <a:endParaRPr lang="ru-UA"/>
           </a:p>
@@ -1007,7 +1007,7 @@
           <a:p>
             <a:fld id="{9EED3BB2-E1A9-4AFE-933A-BC60DB13FCFC}" type="datetimeFigureOut">
               <a:rPr lang="ru-UA" smtClean="0"/>
-              <a:t>17.09.2025</a:t>
+              <a:t>18.09.2025</a:t>
             </a:fld>
             <a:endParaRPr lang="ru-UA"/>
           </a:p>
@@ -1239,7 +1239,7 @@
           <a:p>
             <a:fld id="{9EED3BB2-E1A9-4AFE-933A-BC60DB13FCFC}" type="datetimeFigureOut">
               <a:rPr lang="ru-UA" smtClean="0"/>
-              <a:t>17.09.2025</a:t>
+              <a:t>18.09.2025</a:t>
             </a:fld>
             <a:endParaRPr lang="ru-UA"/>
           </a:p>
@@ -1606,7 +1606,7 @@
           <a:p>
             <a:fld id="{9EED3BB2-E1A9-4AFE-933A-BC60DB13FCFC}" type="datetimeFigureOut">
               <a:rPr lang="ru-UA" smtClean="0"/>
-              <a:t>17.09.2025</a:t>
+              <a:t>18.09.2025</a:t>
             </a:fld>
             <a:endParaRPr lang="ru-UA"/>
           </a:p>
@@ -1724,7 +1724,7 @@
           <a:p>
             <a:fld id="{9EED3BB2-E1A9-4AFE-933A-BC60DB13FCFC}" type="datetimeFigureOut">
               <a:rPr lang="ru-UA" smtClean="0"/>
-              <a:t>17.09.2025</a:t>
+              <a:t>18.09.2025</a:t>
             </a:fld>
             <a:endParaRPr lang="ru-UA"/>
           </a:p>
@@ -1819,7 +1819,7 @@
           <a:p>
             <a:fld id="{9EED3BB2-E1A9-4AFE-933A-BC60DB13FCFC}" type="datetimeFigureOut">
               <a:rPr lang="ru-UA" smtClean="0"/>
-              <a:t>17.09.2025</a:t>
+              <a:t>18.09.2025</a:t>
             </a:fld>
             <a:endParaRPr lang="ru-UA"/>
           </a:p>
@@ -2096,7 +2096,7 @@
           <a:p>
             <a:fld id="{9EED3BB2-E1A9-4AFE-933A-BC60DB13FCFC}" type="datetimeFigureOut">
               <a:rPr lang="ru-UA" smtClean="0"/>
-              <a:t>17.09.2025</a:t>
+              <a:t>18.09.2025</a:t>
             </a:fld>
             <a:endParaRPr lang="ru-UA"/>
           </a:p>
@@ -2353,7 +2353,7 @@
           <a:p>
             <a:fld id="{9EED3BB2-E1A9-4AFE-933A-BC60DB13FCFC}" type="datetimeFigureOut">
               <a:rPr lang="ru-UA" smtClean="0"/>
-              <a:t>17.09.2025</a:t>
+              <a:t>18.09.2025</a:t>
             </a:fld>
             <a:endParaRPr lang="ru-UA"/>
           </a:p>
@@ -2566,7 +2566,7 @@
           <a:p>
             <a:fld id="{9EED3BB2-E1A9-4AFE-933A-BC60DB13FCFC}" type="datetimeFigureOut">
               <a:rPr lang="ru-UA" smtClean="0"/>
-              <a:t>17.09.2025</a:t>
+              <a:t>18.09.2025</a:t>
             </a:fld>
             <a:endParaRPr lang="ru-UA"/>
           </a:p>
@@ -5034,19 +5034,7 @@
               <a:rPr lang="en-US" sz="1400" dirty="0">
                 <a:latin typeface="Arial Narrow" panose="020B0606020202030204" pitchFamily="34" charset="0"/>
               </a:rPr>
-              <a:t>Creating</a:t>
-            </a:r>
-            <a:r>
-              <a:rPr lang="ru-RU" sz="1400" dirty="0">
-                <a:latin typeface="Arial Narrow" panose="020B0606020202030204" pitchFamily="34" charset="0"/>
-              </a:rPr>
-              <a:t> </a:t>
-            </a:r>
-            <a:r>
-              <a:rPr lang="en-US" sz="1400" dirty="0">
-                <a:latin typeface="Arial Narrow" panose="020B0606020202030204" pitchFamily="34" charset="0"/>
-              </a:rPr>
-              <a:t>Enhancing my service skills and establishing proficiency in a fine dining environment.</a:t>
+              <a:t>Enhancing my service skills and establishing proficiency in a fine dining environment</a:t>
             </a:r>
             <a:endParaRPr lang="ru-UA" sz="1400" dirty="0">
               <a:latin typeface="Arial Narrow" panose="020B0606020202030204" pitchFamily="34" charset="0"/>
